--- a/modules/kyverno/static/images/kyverno_website_graphics.pptx
+++ b/modules/kyverno/static/images/kyverno_website_graphics.pptx
@@ -14766,8 +14766,8 @@
         </p:nvSpPr>
         <p:spPr>
           <a:xfrm>
-            <a:off x="3162300" y="1873166"/>
-            <a:ext cx="6711950" cy="2751600"/>
+            <a:off x="3027705" y="1873166"/>
+            <a:ext cx="6846545" cy="2751600"/>
           </a:xfrm>
           <a:prstGeom prst="rect">
             <a:avLst/>
@@ -15586,7 +15586,7 @@
               <a:buNone/>
             </a:pPr>
             <a:r>
-              <a:rPr lang="en-US" sz="2400" b="1" i="0" u="none" strike="noStrike" cap="none">
+              <a:rPr lang="en-US" sz="2400" b="1" i="0" u="none" strike="noStrike" cap="none" dirty="0">
                 <a:solidFill>
                   <a:schemeClr val="lt1"/>
                 </a:solidFill>
@@ -15595,7 +15595,7 @@
                 <a:cs typeface="Arial"/>
                 <a:sym typeface="Arial"/>
               </a:rPr>
-              <a:t>Webhook Server</a:t>
+              <a:t>Admission Controller</a:t>
             </a:r>
             <a:endParaRPr sz="1400" b="1" i="0" u="none" strike="noStrike" cap="none" dirty="0">
               <a:solidFill>
@@ -15673,8 +15673,8 @@
         </p:nvSpPr>
         <p:spPr>
           <a:xfrm>
-            <a:off x="3298078" y="1673066"/>
-            <a:ext cx="1268400" cy="400200"/>
+            <a:off x="3205240" y="4495671"/>
+            <a:ext cx="1731369" cy="215444"/>
           </a:xfrm>
           <a:prstGeom prst="rect">
             <a:avLst/>
@@ -15687,12 +15687,12 @@
           </a:ln>
         </p:spPr>
         <p:txBody>
-          <a:bodyPr spcFirstLastPara="1" wrap="square" lIns="91425" tIns="45700" rIns="91425" bIns="45700" anchor="t" anchorCtr="0">
+          <a:bodyPr spcFirstLastPara="1" wrap="square" lIns="0" tIns="0" rIns="0" bIns="0" anchor="t" anchorCtr="0">
             <a:spAutoFit/>
           </a:bodyPr>
           <a:lstStyle/>
           <a:p>
-            <a:pPr marL="0" marR="0" lvl="0" indent="0" algn="l" rtl="0">
+            <a:pPr marL="0" marR="0" lvl="0" indent="0" algn="ctr" rtl="0">
               <a:lnSpc>
                 <a:spcPct val="100000"/>
               </a:lnSpc>
@@ -15710,7 +15710,7 @@
               <a:buNone/>
             </a:pPr>
             <a:r>
-              <a:rPr lang="en-US" sz="2000" b="1" i="0" u="none" strike="noStrike" cap="none" dirty="0">
+              <a:rPr lang="en-US" b="1" i="0" u="none" strike="noStrike" cap="none" dirty="0">
                 <a:solidFill>
                   <a:schemeClr val="accent1"/>
                 </a:solidFill>
@@ -15719,9 +15719,9 @@
                 <a:cs typeface="Arial"/>
                 <a:sym typeface="Arial"/>
               </a:rPr>
-              <a:t>Kyverno</a:t>
+              <a:t>Kyverno Controllers</a:t>
             </a:r>
-            <a:endParaRPr sz="1800" b="1" i="0" u="none" strike="noStrike" cap="none" dirty="0">
+            <a:endParaRPr sz="1200" b="1" i="0" u="none" strike="noStrike" cap="none" dirty="0">
               <a:solidFill>
                 <a:schemeClr val="accent1"/>
               </a:solidFill>
@@ -17926,11 +17926,13 @@
             <a:off x="5616139" y="3173230"/>
             <a:ext cx="1853788" cy="652174"/>
           </a:xfrm>
-          <a:prstGeom prst="rect">
+          <a:prstGeom prst="roundRect">
             <a:avLst/>
           </a:prstGeom>
           <a:solidFill>
-            <a:schemeClr val="accent1"/>
+            <a:schemeClr val="bg1">
+              <a:lumMod val="50000"/>
+            </a:schemeClr>
           </a:solidFill>
           <a:ln w="12700" cap="flat" cmpd="sng">
             <a:noFill/>
@@ -18176,7 +18178,7 @@
               <a:buNone/>
             </a:pPr>
             <a:r>
-              <a:rPr lang="en-US" sz="1600" b="1" i="1" dirty="0" err="1">
+              <a:rPr lang="en-US" sz="1600" b="1" i="1" dirty="0">
                 <a:solidFill>
                   <a:schemeClr val="dk1"/>
                 </a:solidFill>
@@ -18245,7 +18247,6 @@
           <p:cNvCxnSpPr>
             <a:cxnSpLocks/>
             <a:stCxn id="48" idx="1"/>
-            <a:endCxn id="163" idx="2"/>
           </p:cNvCxnSpPr>
           <p:nvPr/>
         </p:nvCxnSpPr>
